--- a/koncept.pptx
+++ b/koncept.pptx
@@ -11,6 +11,9 @@
     <p:sldId id="260" r:id="rId5"/>
     <p:sldId id="261" r:id="rId6"/>
     <p:sldId id="257" r:id="rId7"/>
+    <p:sldId id="263" r:id="rId8"/>
+    <p:sldId id="262" r:id="rId9"/>
+    <p:sldId id="264" r:id="rId10"/>
   </p:sldIdLst>
   <p:sldSz cx="12599988" cy="27000200"/>
   <p:notesSz cx="6858000" cy="9144000"/>
@@ -109,6 +112,11 @@
       </a:defRPr>
     </a:lvl9pPr>
   </p:defaultTextStyle>
+  <p:extLst>
+    <p:ext uri="{EFAFB233-063F-42B5-8137-9DF3F51BA10A}">
+      <p15:sldGuideLst xmlns:p15="http://schemas.microsoft.com/office/powerpoint/2012/main"/>
+    </p:ext>
+  </p:extLst>
 </p:presentation>
 </file>
 
@@ -3655,37 +3663,21 @@
             <p:ph type="title"/>
           </p:nvPr>
         </p:nvSpPr>
-        <p:spPr/>
-        <p:txBody>
-          <a:bodyPr/>
-          <a:lstStyle/>
-          <a:p>
-            <a:endParaRPr lang="pl-PL"/>
-          </a:p>
-        </p:txBody>
-      </p:sp>
-      <p:sp>
-        <p:nvSpPr>
-          <p:cNvPr id="3" name="Symbol zastępczy zawartości 2">
-            <a:extLst>
-              <a:ext uri="{FF2B5EF4-FFF2-40B4-BE49-F238E27FC236}">
-                <a16:creationId xmlns:a16="http://schemas.microsoft.com/office/drawing/2014/main" id="{602A65EA-7A16-458A-A067-6A0041D4E748}"/>
-              </a:ext>
-            </a:extLst>
-          </p:cNvPr>
-          <p:cNvSpPr>
-            <a:spLocks noGrp="1"/>
-          </p:cNvSpPr>
-          <p:nvPr>
-            <p:ph idx="1"/>
-          </p:nvPr>
-        </p:nvSpPr>
-        <p:spPr/>
-        <p:txBody>
-          <a:bodyPr/>
-          <a:lstStyle/>
-          <a:p>
-            <a:endParaRPr lang="pl-PL"/>
+        <p:spPr>
+          <a:xfrm>
+            <a:off x="866249" y="10890704"/>
+            <a:ext cx="10867490" cy="5218791"/>
+          </a:xfrm>
+        </p:spPr>
+        <p:txBody>
+          <a:bodyPr/>
+          <a:lstStyle/>
+          <a:p>
+            <a:pPr algn="ctr"/>
+            <a:r>
+              <a:rPr lang="pl-PL" dirty="0"/>
+              <a:t>Schizofrenia</a:t>
+            </a:r>
           </a:p>
         </p:txBody>
       </p:sp>
@@ -3693,6 +3685,225 @@
     <p:extLst>
       <p:ext uri="{BB962C8B-B14F-4D97-AF65-F5344CB8AC3E}">
         <p14:creationId xmlns:p14="http://schemas.microsoft.com/office/powerpoint/2010/main" val="1828756204"/>
+      </p:ext>
+    </p:extLst>
+  </p:cSld>
+  <p:clrMapOvr>
+    <a:masterClrMapping/>
+  </p:clrMapOvr>
+</p:sld>
+</file>
+
+<file path=ppt/slides/slide7.xml><?xml version="1.0" encoding="utf-8"?>
+<p:sld xmlns:a="http://schemas.openxmlformats.org/drawingml/2006/main" xmlns:r="http://schemas.openxmlformats.org/officeDocument/2006/relationships" xmlns:p="http://schemas.openxmlformats.org/presentationml/2006/main">
+  <p:cSld>
+    <p:spTree>
+      <p:nvGrpSpPr>
+        <p:cNvPr id="1" name=""/>
+        <p:cNvGrpSpPr/>
+        <p:nvPr/>
+      </p:nvGrpSpPr>
+      <p:grpSpPr>
+        <a:xfrm>
+          <a:off x="0" y="0"/>
+          <a:ext cx="0" cy="0"/>
+          <a:chOff x="0" y="0"/>
+          <a:chExt cx="0" cy="0"/>
+        </a:xfrm>
+      </p:grpSpPr>
+      <p:pic>
+        <p:nvPicPr>
+          <p:cNvPr id="2050" name="Picture 2" descr="Znalezione obrazy dla zapytania schizofrenia">
+            <a:extLst>
+              <a:ext uri="{FF2B5EF4-FFF2-40B4-BE49-F238E27FC236}">
+                <a16:creationId xmlns:a16="http://schemas.microsoft.com/office/drawing/2014/main" id="{833812E5-A33F-4A39-A3D8-B8ED73C10664}"/>
+              </a:ext>
+            </a:extLst>
+          </p:cNvPr>
+          <p:cNvPicPr>
+            <a:picLocks noChangeAspect="1" noChangeArrowheads="1"/>
+          </p:cNvPicPr>
+          <p:nvPr/>
+        </p:nvPicPr>
+        <p:blipFill>
+          <a:blip r:embed="rId2">
+            <a:extLst>
+              <a:ext uri="{28A0092B-C50C-407E-A947-70E740481C1C}">
+                <a14:useLocalDpi xmlns:a14="http://schemas.microsoft.com/office/drawing/2010/main" val="0"/>
+              </a:ext>
+            </a:extLst>
+          </a:blip>
+          <a:srcRect/>
+          <a:stretch>
+            <a:fillRect/>
+          </a:stretch>
+        </p:blipFill>
+        <p:spPr bwMode="auto">
+          <a:xfrm>
+            <a:off x="-341542" y="6755477"/>
+            <a:ext cx="12941530" cy="12512744"/>
+          </a:xfrm>
+          <a:prstGeom prst="rect">
+            <a:avLst/>
+          </a:prstGeom>
+          <a:noFill/>
+          <a:extLst>
+            <a:ext uri="{909E8E84-426E-40DD-AFC4-6F175D3DCCD1}">
+              <a14:hiddenFill xmlns:a14="http://schemas.microsoft.com/office/drawing/2010/main">
+                <a:solidFill>
+                  <a:srgbClr val="FFFFFF"/>
+                </a:solidFill>
+              </a14:hiddenFill>
+            </a:ext>
+          </a:extLst>
+        </p:spPr>
+      </p:pic>
+    </p:spTree>
+    <p:extLst>
+      <p:ext uri="{BB962C8B-B14F-4D97-AF65-F5344CB8AC3E}">
+        <p14:creationId xmlns:p14="http://schemas.microsoft.com/office/powerpoint/2010/main" val="3808262370"/>
+      </p:ext>
+    </p:extLst>
+  </p:cSld>
+  <p:clrMapOvr>
+    <a:masterClrMapping/>
+  </p:clrMapOvr>
+</p:sld>
+</file>
+
+<file path=ppt/slides/slide8.xml><?xml version="1.0" encoding="utf-8"?>
+<p:sld xmlns:a="http://schemas.openxmlformats.org/drawingml/2006/main" xmlns:r="http://schemas.openxmlformats.org/officeDocument/2006/relationships" xmlns:p="http://schemas.openxmlformats.org/presentationml/2006/main">
+  <p:cSld>
+    <p:spTree>
+      <p:nvGrpSpPr>
+        <p:cNvPr id="1" name=""/>
+        <p:cNvGrpSpPr/>
+        <p:nvPr/>
+      </p:nvGrpSpPr>
+      <p:grpSpPr>
+        <a:xfrm>
+          <a:off x="0" y="0"/>
+          <a:ext cx="0" cy="0"/>
+          <a:chOff x="0" y="0"/>
+          <a:chExt cx="0" cy="0"/>
+        </a:xfrm>
+      </p:grpSpPr>
+      <p:pic>
+        <p:nvPicPr>
+          <p:cNvPr id="1026" name="Picture 2" descr="Znalezione obrazy dla zapytania schizofrenia">
+            <a:extLst>
+              <a:ext uri="{FF2B5EF4-FFF2-40B4-BE49-F238E27FC236}">
+                <a16:creationId xmlns:a16="http://schemas.microsoft.com/office/drawing/2014/main" id="{B4629529-D8C7-435B-8E69-F563398CF1AB}"/>
+              </a:ext>
+            </a:extLst>
+          </p:cNvPr>
+          <p:cNvPicPr>
+            <a:picLocks noChangeAspect="1" noChangeArrowheads="1"/>
+          </p:cNvPicPr>
+          <p:nvPr/>
+        </p:nvPicPr>
+        <p:blipFill>
+          <a:blip r:embed="rId2">
+            <a:extLst>
+              <a:ext uri="{28A0092B-C50C-407E-A947-70E740481C1C}">
+                <a14:useLocalDpi xmlns:a14="http://schemas.microsoft.com/office/drawing/2010/main" val="0"/>
+              </a:ext>
+            </a:extLst>
+          </a:blip>
+          <a:srcRect/>
+          <a:stretch>
+            <a:fillRect/>
+          </a:stretch>
+        </p:blipFill>
+        <p:spPr bwMode="auto">
+          <a:xfrm>
+            <a:off x="0" y="8027680"/>
+            <a:ext cx="12376163" cy="9434410"/>
+          </a:xfrm>
+          <a:prstGeom prst="rect">
+            <a:avLst/>
+          </a:prstGeom>
+          <a:noFill/>
+          <a:extLst>
+            <a:ext uri="{909E8E84-426E-40DD-AFC4-6F175D3DCCD1}">
+              <a14:hiddenFill xmlns:a14="http://schemas.microsoft.com/office/drawing/2010/main">
+                <a:solidFill>
+                  <a:srgbClr val="FFFFFF"/>
+                </a:solidFill>
+              </a14:hiddenFill>
+            </a:ext>
+          </a:extLst>
+        </p:spPr>
+      </p:pic>
+    </p:spTree>
+    <p:extLst>
+      <p:ext uri="{BB962C8B-B14F-4D97-AF65-F5344CB8AC3E}">
+        <p14:creationId xmlns:p14="http://schemas.microsoft.com/office/powerpoint/2010/main" val="2871696261"/>
+      </p:ext>
+    </p:extLst>
+  </p:cSld>
+  <p:clrMapOvr>
+    <a:masterClrMapping/>
+  </p:clrMapOvr>
+</p:sld>
+</file>
+
+<file path=ppt/slides/slide9.xml><?xml version="1.0" encoding="utf-8"?>
+<p:sld xmlns:a="http://schemas.openxmlformats.org/drawingml/2006/main" xmlns:r="http://schemas.openxmlformats.org/officeDocument/2006/relationships" xmlns:p="http://schemas.openxmlformats.org/presentationml/2006/main">
+  <p:cSld>
+    <p:spTree>
+      <p:nvGrpSpPr>
+        <p:cNvPr id="1" name=""/>
+        <p:cNvGrpSpPr/>
+        <p:nvPr/>
+      </p:nvGrpSpPr>
+      <p:grpSpPr>
+        <a:xfrm>
+          <a:off x="0" y="0"/>
+          <a:ext cx="0" cy="0"/>
+          <a:chOff x="0" y="0"/>
+          <a:chExt cx="0" cy="0"/>
+        </a:xfrm>
+      </p:grpSpPr>
+      <p:sp>
+        <p:nvSpPr>
+          <p:cNvPr id="2" name="pole tekstowe 1">
+            <a:extLst>
+              <a:ext uri="{FF2B5EF4-FFF2-40B4-BE49-F238E27FC236}">
+                <a16:creationId xmlns:a16="http://schemas.microsoft.com/office/drawing/2014/main" id="{C2D67B4B-7848-43AF-8EC4-C6DB0C06B3C5}"/>
+              </a:ext>
+            </a:extLst>
+          </p:cNvPr>
+          <p:cNvSpPr txBox="1"/>
+          <p:nvPr/>
+        </p:nvSpPr>
+        <p:spPr>
+          <a:xfrm>
+            <a:off x="324465" y="8996516"/>
+            <a:ext cx="11887200" cy="7017306"/>
+          </a:xfrm>
+          <a:prstGeom prst="rect">
+            <a:avLst/>
+          </a:prstGeom>
+          <a:noFill/>
+        </p:spPr>
+        <p:txBody>
+          <a:bodyPr wrap="square" rtlCol="0">
+            <a:spAutoFit/>
+          </a:bodyPr>
+          <a:lstStyle/>
+          <a:p>
+            <a:r>
+              <a:rPr lang="pl-PL" sz="5000" i="1" dirty="0"/>
+              <a:t>My idziemy i ktoś mówi „cześć’. My mamy kliknąć w dymek, aby odpowiedzieć. W jednym przypadku ktoś odpowie dziękuję i tło zrobi się jaśniejsze. (Gdy nie klikniemy zrobi się ciemniejsze). A drugim razem z innej strony będzie dymek o co ci chodzi (mówiliśmy cześć do swojego wyimaginowanego kolegi). I tło zrobi się ciemniejsze.</a:t>
+            </a:r>
+          </a:p>
+        </p:txBody>
+      </p:sp>
+    </p:spTree>
+    <p:extLst>
+      <p:ext uri="{BB962C8B-B14F-4D97-AF65-F5344CB8AC3E}">
+        <p14:creationId xmlns:p14="http://schemas.microsoft.com/office/powerpoint/2010/main" val="3836323880"/>
       </p:ext>
     </p:extLst>
   </p:cSld>

--- a/koncept.pptx
+++ b/koncept.pptx
@@ -11,9 +11,10 @@
     <p:sldId id="260" r:id="rId5"/>
     <p:sldId id="261" r:id="rId6"/>
     <p:sldId id="257" r:id="rId7"/>
-    <p:sldId id="263" r:id="rId8"/>
-    <p:sldId id="262" r:id="rId9"/>
-    <p:sldId id="264" r:id="rId10"/>
+    <p:sldId id="265" r:id="rId8"/>
+    <p:sldId id="263" r:id="rId9"/>
+    <p:sldId id="262" r:id="rId10"/>
+    <p:sldId id="264" r:id="rId11"/>
   </p:sldIdLst>
   <p:sldSz cx="12599988" cy="27000200"/>
   <p:notesSz cx="6858000" cy="9144000"/>
@@ -3081,6 +3082,71 @@
 </p:sld>
 </file>
 
+<file path=ppt/slides/slide10.xml><?xml version="1.0" encoding="utf-8"?>
+<p:sld xmlns:a="http://schemas.openxmlformats.org/drawingml/2006/main" xmlns:r="http://schemas.openxmlformats.org/officeDocument/2006/relationships" xmlns:p="http://schemas.openxmlformats.org/presentationml/2006/main">
+  <p:cSld>
+    <p:spTree>
+      <p:nvGrpSpPr>
+        <p:cNvPr id="1" name=""/>
+        <p:cNvGrpSpPr/>
+        <p:nvPr/>
+      </p:nvGrpSpPr>
+      <p:grpSpPr>
+        <a:xfrm>
+          <a:off x="0" y="0"/>
+          <a:ext cx="0" cy="0"/>
+          <a:chOff x="0" y="0"/>
+          <a:chExt cx="0" cy="0"/>
+        </a:xfrm>
+      </p:grpSpPr>
+      <p:sp>
+        <p:nvSpPr>
+          <p:cNvPr id="2" name="pole tekstowe 1">
+            <a:extLst>
+              <a:ext uri="{FF2B5EF4-FFF2-40B4-BE49-F238E27FC236}">
+                <a16:creationId xmlns:a16="http://schemas.microsoft.com/office/drawing/2014/main" id="{C2D67B4B-7848-43AF-8EC4-C6DB0C06B3C5}"/>
+              </a:ext>
+            </a:extLst>
+          </p:cNvPr>
+          <p:cNvSpPr txBox="1"/>
+          <p:nvPr/>
+        </p:nvSpPr>
+        <p:spPr>
+          <a:xfrm>
+            <a:off x="324465" y="8996516"/>
+            <a:ext cx="11887200" cy="7017306"/>
+          </a:xfrm>
+          <a:prstGeom prst="rect">
+            <a:avLst/>
+          </a:prstGeom>
+          <a:noFill/>
+        </p:spPr>
+        <p:txBody>
+          <a:bodyPr wrap="square" rtlCol="0">
+            <a:spAutoFit/>
+          </a:bodyPr>
+          <a:lstStyle/>
+          <a:p>
+            <a:r>
+              <a:rPr lang="pl-PL" sz="5000" i="1" dirty="0"/>
+              <a:t>My idziemy i ktoś mówi „cześć’. My mamy kliknąć w dymek, aby odpowiedzieć. W jednym przypadku ktoś odpowie dziękuję i tło zrobi się jaśniejsze. (Gdy nie klikniemy zrobi się ciemniejsze). A drugim razem z innej strony będzie dymek o co ci chodzi (mówiliśmy cześć do swojego wyimaginowanego kolegi). I tło zrobi się ciemniejsze.</a:t>
+            </a:r>
+          </a:p>
+        </p:txBody>
+      </p:sp>
+    </p:spTree>
+    <p:extLst>
+      <p:ext uri="{BB962C8B-B14F-4D97-AF65-F5344CB8AC3E}">
+        <p14:creationId xmlns:p14="http://schemas.microsoft.com/office/powerpoint/2010/main" val="3836323880"/>
+      </p:ext>
+    </p:extLst>
+  </p:cSld>
+  <p:clrMapOvr>
+    <a:masterClrMapping/>
+  </p:clrMapOvr>
+</p:sld>
+</file>
+
 <file path=ppt/slides/slide2.xml><?xml version="1.0" encoding="utf-8"?>
 <p:sld xmlns:a="http://schemas.openxmlformats.org/drawingml/2006/main" xmlns:r="http://schemas.openxmlformats.org/officeDocument/2006/relationships" xmlns:p="http://schemas.openxmlformats.org/presentationml/2006/main">
   <p:cSld>
@@ -3647,36 +3713,84 @@
           <a:chExt cx="0" cy="0"/>
         </a:xfrm>
       </p:grpSpPr>
-      <p:sp>
-        <p:nvSpPr>
-          <p:cNvPr id="2" name="Tytuł 1">
+      <p:pic>
+        <p:nvPicPr>
+          <p:cNvPr id="1026" name="Picture 2" descr="Podobny obraz">
             <a:extLst>
               <a:ext uri="{FF2B5EF4-FFF2-40B4-BE49-F238E27FC236}">
-                <a16:creationId xmlns:a16="http://schemas.microsoft.com/office/drawing/2014/main" id="{072A73A7-A0B4-4E12-A37C-DFE4E59680DA}"/>
+                <a16:creationId xmlns:a16="http://schemas.microsoft.com/office/drawing/2014/main" id="{8F01DF5A-3BA4-4DCE-B1BE-54E88B9C2976}"/>
               </a:ext>
             </a:extLst>
           </p:cNvPr>
-          <p:cNvSpPr>
-            <a:spLocks noGrp="1"/>
-          </p:cNvSpPr>
-          <p:nvPr>
-            <p:ph type="title"/>
-          </p:nvPr>
+          <p:cNvPicPr>
+            <a:picLocks noChangeAspect="1" noChangeArrowheads="1"/>
+          </p:cNvPicPr>
+          <p:nvPr/>
+        </p:nvPicPr>
+        <p:blipFill>
+          <a:blip r:embed="rId2">
+            <a:extLst>
+              <a:ext uri="{28A0092B-C50C-407E-A947-70E740481C1C}">
+                <a14:useLocalDpi xmlns:a14="http://schemas.microsoft.com/office/drawing/2010/main" val="0"/>
+              </a:ext>
+            </a:extLst>
+          </a:blip>
+          <a:srcRect/>
+          <a:stretch>
+            <a:fillRect/>
+          </a:stretch>
+        </p:blipFill>
+        <p:spPr bwMode="auto">
+          <a:xfrm>
+            <a:off x="-897218" y="6500760"/>
+            <a:ext cx="14394424" cy="15232195"/>
+          </a:xfrm>
+          <a:prstGeom prst="rect">
+            <a:avLst/>
+          </a:prstGeom>
+          <a:noFill/>
+          <a:extLst>
+            <a:ext uri="{909E8E84-426E-40DD-AFC4-6F175D3DCCD1}">
+              <a14:hiddenFill xmlns:a14="http://schemas.microsoft.com/office/drawing/2010/main">
+                <a:solidFill>
+                  <a:srgbClr val="FFFFFF"/>
+                </a:solidFill>
+              </a14:hiddenFill>
+            </a:ext>
+          </a:extLst>
+        </p:spPr>
+      </p:pic>
+      <p:sp>
+        <p:nvSpPr>
+          <p:cNvPr id="5" name="pole tekstowe 4">
+            <a:extLst>
+              <a:ext uri="{FF2B5EF4-FFF2-40B4-BE49-F238E27FC236}">
+                <a16:creationId xmlns:a16="http://schemas.microsoft.com/office/drawing/2014/main" id="{687FC456-E7EE-49BB-BC2C-8DA926410C68}"/>
+              </a:ext>
+            </a:extLst>
+          </p:cNvPr>
+          <p:cNvSpPr txBox="1"/>
+          <p:nvPr/>
         </p:nvSpPr>
         <p:spPr>
           <a:xfrm>
-            <a:off x="866249" y="10890704"/>
-            <a:ext cx="10867490" cy="5218791"/>
+            <a:off x="326897" y="16134735"/>
+            <a:ext cx="11946194" cy="861774"/>
           </a:xfrm>
+          <a:prstGeom prst="rect">
+            <a:avLst/>
+          </a:prstGeom>
+          <a:noFill/>
         </p:spPr>
         <p:txBody>
-          <a:bodyPr/>
-          <a:lstStyle/>
-          <a:p>
-            <a:pPr algn="ctr"/>
-            <a:r>
-              <a:rPr lang="pl-PL" dirty="0"/>
-              <a:t>Schizofrenia</a:t>
+          <a:bodyPr wrap="square" rtlCol="0">
+            <a:spAutoFit/>
+          </a:bodyPr>
+          <a:lstStyle/>
+          <a:p>
+            <a:r>
+              <a:rPr lang="pl-PL" sz="5000" dirty="0"/>
+              <a:t>(klikamy na głowę i te puzzle się rozwalają)</a:t>
             </a:r>
           </a:p>
         </p:txBody>
@@ -3695,6 +3809,70 @@
 </file>
 
 <file path=ppt/slides/slide7.xml><?xml version="1.0" encoding="utf-8"?>
+<p:sld xmlns:a="http://schemas.openxmlformats.org/drawingml/2006/main" xmlns:r="http://schemas.openxmlformats.org/officeDocument/2006/relationships" xmlns:p="http://schemas.openxmlformats.org/presentationml/2006/main">
+  <p:cSld>
+    <p:spTree>
+      <p:nvGrpSpPr>
+        <p:cNvPr id="1" name=""/>
+        <p:cNvGrpSpPr/>
+        <p:nvPr/>
+      </p:nvGrpSpPr>
+      <p:grpSpPr>
+        <a:xfrm>
+          <a:off x="0" y="0"/>
+          <a:ext cx="0" cy="0"/>
+          <a:chOff x="0" y="0"/>
+          <a:chExt cx="0" cy="0"/>
+        </a:xfrm>
+      </p:grpSpPr>
+      <p:sp>
+        <p:nvSpPr>
+          <p:cNvPr id="2" name="Tytuł 1">
+            <a:extLst>
+              <a:ext uri="{FF2B5EF4-FFF2-40B4-BE49-F238E27FC236}">
+                <a16:creationId xmlns:a16="http://schemas.microsoft.com/office/drawing/2014/main" id="{072A73A7-A0B4-4E12-A37C-DFE4E59680DA}"/>
+              </a:ext>
+            </a:extLst>
+          </p:cNvPr>
+          <p:cNvSpPr>
+            <a:spLocks noGrp="1"/>
+          </p:cNvSpPr>
+          <p:nvPr>
+            <p:ph type="title"/>
+          </p:nvPr>
+        </p:nvSpPr>
+        <p:spPr>
+          <a:xfrm>
+            <a:off x="866249" y="10890704"/>
+            <a:ext cx="10867490" cy="5218791"/>
+          </a:xfrm>
+        </p:spPr>
+        <p:txBody>
+          <a:bodyPr/>
+          <a:lstStyle/>
+          <a:p>
+            <a:pPr algn="ctr"/>
+            <a:r>
+              <a:rPr lang="pl-PL" dirty="0"/>
+              <a:t>Schizofrenia</a:t>
+            </a:r>
+          </a:p>
+        </p:txBody>
+      </p:sp>
+    </p:spTree>
+    <p:extLst>
+      <p:ext uri="{BB962C8B-B14F-4D97-AF65-F5344CB8AC3E}">
+        <p14:creationId xmlns:p14="http://schemas.microsoft.com/office/powerpoint/2010/main" val="818237780"/>
+      </p:ext>
+    </p:extLst>
+  </p:cSld>
+  <p:clrMapOvr>
+    <a:masterClrMapping/>
+  </p:clrMapOvr>
+</p:sld>
+</file>
+
+<file path=ppt/slides/slide8.xml><?xml version="1.0" encoding="utf-8"?>
 <p:sld xmlns:a="http://schemas.openxmlformats.org/drawingml/2006/main" xmlns:r="http://schemas.openxmlformats.org/officeDocument/2006/relationships" xmlns:p="http://schemas.openxmlformats.org/presentationml/2006/main">
   <p:cSld>
     <p:spTree>
@@ -3771,7 +3949,7 @@
 </p:sld>
 </file>
 
-<file path=ppt/slides/slide8.xml><?xml version="1.0" encoding="utf-8"?>
+<file path=ppt/slides/slide9.xml><?xml version="1.0" encoding="utf-8"?>
 <p:sld xmlns:a="http://schemas.openxmlformats.org/drawingml/2006/main" xmlns:r="http://schemas.openxmlformats.org/officeDocument/2006/relationships" xmlns:p="http://schemas.openxmlformats.org/presentationml/2006/main">
   <p:cSld>
     <p:spTree>
@@ -3839,71 +4017,6 @@
     <p:extLst>
       <p:ext uri="{BB962C8B-B14F-4D97-AF65-F5344CB8AC3E}">
         <p14:creationId xmlns:p14="http://schemas.microsoft.com/office/powerpoint/2010/main" val="2871696261"/>
-      </p:ext>
-    </p:extLst>
-  </p:cSld>
-  <p:clrMapOvr>
-    <a:masterClrMapping/>
-  </p:clrMapOvr>
-</p:sld>
-</file>
-
-<file path=ppt/slides/slide9.xml><?xml version="1.0" encoding="utf-8"?>
-<p:sld xmlns:a="http://schemas.openxmlformats.org/drawingml/2006/main" xmlns:r="http://schemas.openxmlformats.org/officeDocument/2006/relationships" xmlns:p="http://schemas.openxmlformats.org/presentationml/2006/main">
-  <p:cSld>
-    <p:spTree>
-      <p:nvGrpSpPr>
-        <p:cNvPr id="1" name=""/>
-        <p:cNvGrpSpPr/>
-        <p:nvPr/>
-      </p:nvGrpSpPr>
-      <p:grpSpPr>
-        <a:xfrm>
-          <a:off x="0" y="0"/>
-          <a:ext cx="0" cy="0"/>
-          <a:chOff x="0" y="0"/>
-          <a:chExt cx="0" cy="0"/>
-        </a:xfrm>
-      </p:grpSpPr>
-      <p:sp>
-        <p:nvSpPr>
-          <p:cNvPr id="2" name="pole tekstowe 1">
-            <a:extLst>
-              <a:ext uri="{FF2B5EF4-FFF2-40B4-BE49-F238E27FC236}">
-                <a16:creationId xmlns:a16="http://schemas.microsoft.com/office/drawing/2014/main" id="{C2D67B4B-7848-43AF-8EC4-C6DB0C06B3C5}"/>
-              </a:ext>
-            </a:extLst>
-          </p:cNvPr>
-          <p:cNvSpPr txBox="1"/>
-          <p:nvPr/>
-        </p:nvSpPr>
-        <p:spPr>
-          <a:xfrm>
-            <a:off x="324465" y="8996516"/>
-            <a:ext cx="11887200" cy="7017306"/>
-          </a:xfrm>
-          <a:prstGeom prst="rect">
-            <a:avLst/>
-          </a:prstGeom>
-          <a:noFill/>
-        </p:spPr>
-        <p:txBody>
-          <a:bodyPr wrap="square" rtlCol="0">
-            <a:spAutoFit/>
-          </a:bodyPr>
-          <a:lstStyle/>
-          <a:p>
-            <a:r>
-              <a:rPr lang="pl-PL" sz="5000" i="1" dirty="0"/>
-              <a:t>My idziemy i ktoś mówi „cześć’. My mamy kliknąć w dymek, aby odpowiedzieć. W jednym przypadku ktoś odpowie dziękuję i tło zrobi się jaśniejsze. (Gdy nie klikniemy zrobi się ciemniejsze). A drugim razem z innej strony będzie dymek o co ci chodzi (mówiliśmy cześć do swojego wyimaginowanego kolegi). I tło zrobi się ciemniejsze.</a:t>
-            </a:r>
-          </a:p>
-        </p:txBody>
-      </p:sp>
-    </p:spTree>
-    <p:extLst>
-      <p:ext uri="{BB962C8B-B14F-4D97-AF65-F5344CB8AC3E}">
-        <p14:creationId xmlns:p14="http://schemas.microsoft.com/office/powerpoint/2010/main" val="3836323880"/>
       </p:ext>
     </p:extLst>
   </p:cSld>

--- a/koncept.pptx
+++ b/koncept.pptx
@@ -252,7 +252,7 @@
           <a:p>
             <a:fld id="{6DFD3233-421B-4176-87BE-4BF276FA5BF0}" type="datetimeFigureOut">
               <a:rPr lang="pl-PL" smtClean="0"/>
-              <a:t>22.11.2019</a:t>
+              <a:t>23.11.2019</a:t>
             </a:fld>
             <a:endParaRPr lang="pl-PL"/>
           </a:p>
@@ -422,7 +422,7 @@
           <a:p>
             <a:fld id="{6DFD3233-421B-4176-87BE-4BF276FA5BF0}" type="datetimeFigureOut">
               <a:rPr lang="pl-PL" smtClean="0"/>
-              <a:t>22.11.2019</a:t>
+              <a:t>23.11.2019</a:t>
             </a:fld>
             <a:endParaRPr lang="pl-PL"/>
           </a:p>
@@ -602,7 +602,7 @@
           <a:p>
             <a:fld id="{6DFD3233-421B-4176-87BE-4BF276FA5BF0}" type="datetimeFigureOut">
               <a:rPr lang="pl-PL" smtClean="0"/>
-              <a:t>22.11.2019</a:t>
+              <a:t>23.11.2019</a:t>
             </a:fld>
             <a:endParaRPr lang="pl-PL"/>
           </a:p>
@@ -772,7 +772,7 @@
           <a:p>
             <a:fld id="{6DFD3233-421B-4176-87BE-4BF276FA5BF0}" type="datetimeFigureOut">
               <a:rPr lang="pl-PL" smtClean="0"/>
-              <a:t>22.11.2019</a:t>
+              <a:t>23.11.2019</a:t>
             </a:fld>
             <a:endParaRPr lang="pl-PL"/>
           </a:p>
@@ -1016,7 +1016,7 @@
           <a:p>
             <a:fld id="{6DFD3233-421B-4176-87BE-4BF276FA5BF0}" type="datetimeFigureOut">
               <a:rPr lang="pl-PL" smtClean="0"/>
-              <a:t>22.11.2019</a:t>
+              <a:t>23.11.2019</a:t>
             </a:fld>
             <a:endParaRPr lang="pl-PL"/>
           </a:p>
@@ -1248,7 +1248,7 @@
           <a:p>
             <a:fld id="{6DFD3233-421B-4176-87BE-4BF276FA5BF0}" type="datetimeFigureOut">
               <a:rPr lang="pl-PL" smtClean="0"/>
-              <a:t>22.11.2019</a:t>
+              <a:t>23.11.2019</a:t>
             </a:fld>
             <a:endParaRPr lang="pl-PL"/>
           </a:p>
@@ -1615,7 +1615,7 @@
           <a:p>
             <a:fld id="{6DFD3233-421B-4176-87BE-4BF276FA5BF0}" type="datetimeFigureOut">
               <a:rPr lang="pl-PL" smtClean="0"/>
-              <a:t>22.11.2019</a:t>
+              <a:t>23.11.2019</a:t>
             </a:fld>
             <a:endParaRPr lang="pl-PL"/>
           </a:p>
@@ -1733,7 +1733,7 @@
           <a:p>
             <a:fld id="{6DFD3233-421B-4176-87BE-4BF276FA5BF0}" type="datetimeFigureOut">
               <a:rPr lang="pl-PL" smtClean="0"/>
-              <a:t>22.11.2019</a:t>
+              <a:t>23.11.2019</a:t>
             </a:fld>
             <a:endParaRPr lang="pl-PL"/>
           </a:p>
@@ -1828,7 +1828,7 @@
           <a:p>
             <a:fld id="{6DFD3233-421B-4176-87BE-4BF276FA5BF0}" type="datetimeFigureOut">
               <a:rPr lang="pl-PL" smtClean="0"/>
-              <a:t>22.11.2019</a:t>
+              <a:t>23.11.2019</a:t>
             </a:fld>
             <a:endParaRPr lang="pl-PL"/>
           </a:p>
@@ -2105,7 +2105,7 @@
           <a:p>
             <a:fld id="{6DFD3233-421B-4176-87BE-4BF276FA5BF0}" type="datetimeFigureOut">
               <a:rPr lang="pl-PL" smtClean="0"/>
-              <a:t>22.11.2019</a:t>
+              <a:t>23.11.2019</a:t>
             </a:fld>
             <a:endParaRPr lang="pl-PL"/>
           </a:p>
@@ -2362,7 +2362,7 @@
           <a:p>
             <a:fld id="{6DFD3233-421B-4176-87BE-4BF276FA5BF0}" type="datetimeFigureOut">
               <a:rPr lang="pl-PL" smtClean="0"/>
-              <a:t>22.11.2019</a:t>
+              <a:t>23.11.2019</a:t>
             </a:fld>
             <a:endParaRPr lang="pl-PL"/>
           </a:p>
@@ -2575,7 +2575,7 @@
           <a:p>
             <a:fld id="{6DFD3233-421B-4176-87BE-4BF276FA5BF0}" type="datetimeFigureOut">
               <a:rPr lang="pl-PL" smtClean="0"/>
-              <a:t>22.11.2019</a:t>
+              <a:t>23.11.2019</a:t>
             </a:fld>
             <a:endParaRPr lang="pl-PL"/>
           </a:p>
@@ -3742,7 +3742,7 @@
         </p:blipFill>
         <p:spPr bwMode="auto">
           <a:xfrm>
-            <a:off x="-897218" y="6500760"/>
+            <a:off x="-897218" y="6310260"/>
             <a:ext cx="14394424" cy="15232195"/>
           </a:xfrm>
           <a:prstGeom prst="rect">
